--- a/4 - Multiple Linear Regression/Coefficient of Determination.pptx
+++ b/4 - Multiple Linear Regression/Coefficient of Determination.pptx
@@ -2590,7 +2590,7 @@
           <a:p>
             <a:fld id="{F666E1FD-E7A0-497B-BBC0-740BAAC97C64}" type="datetimeFigureOut">
               <a:rPr lang="en-PH" smtClean="0"/>
-              <a:t>9/18/23</a:t>
+              <a:t>7/11/24</a:t>
             </a:fld>
             <a:endParaRPr lang="en-PH"/>
           </a:p>
@@ -4013,9 +4013,9 @@
           <a:bodyPr/>
           <a:lstStyle/>
           <a:p>
-            <a:fld id="{0CCF0B81-6BD8-4C65-9459-815598C5F1F4}" type="datetimeFigureOut">
+            <a:fld id="{75FB6C27-0E58-3B40-BD30-214CA7ADF30F}" type="datetime1">
               <a:rPr lang="en-PH" smtClean="0"/>
-              <a:t>9/18/23</a:t>
+              <a:t>7/11/24</a:t>
             </a:fld>
             <a:endParaRPr lang="en-PH"/>
           </a:p>
@@ -4042,7 +4042,10 @@
           <a:bodyPr/>
           <a:lstStyle/>
           <a:p>
-            <a:endParaRPr lang="en-PH"/>
+            <a:r>
+              <a:rPr lang="en-PH"/>
+              <a:t>CCMACLRL</a:t>
+            </a:r>
           </a:p>
         </p:txBody>
       </p:sp>
@@ -4213,9 +4216,9 @@
           <a:bodyPr/>
           <a:lstStyle/>
           <a:p>
-            <a:fld id="{0CCF0B81-6BD8-4C65-9459-815598C5F1F4}" type="datetimeFigureOut">
+            <a:fld id="{104F09DF-93FD-CE46-B6DD-EAC69207E103}" type="datetime1">
               <a:rPr lang="en-PH" smtClean="0"/>
-              <a:t>9/18/23</a:t>
+              <a:t>7/11/24</a:t>
             </a:fld>
             <a:endParaRPr lang="en-PH"/>
           </a:p>
@@ -4242,7 +4245,10 @@
           <a:bodyPr/>
           <a:lstStyle/>
           <a:p>
-            <a:endParaRPr lang="en-PH"/>
+            <a:r>
+              <a:rPr lang="en-PH"/>
+              <a:t>CCMACLRL</a:t>
+            </a:r>
           </a:p>
         </p:txBody>
       </p:sp>
@@ -4423,9 +4429,9 @@
           <a:bodyPr/>
           <a:lstStyle/>
           <a:p>
-            <a:fld id="{0CCF0B81-6BD8-4C65-9459-815598C5F1F4}" type="datetimeFigureOut">
+            <a:fld id="{2636DB85-36A7-2248-9971-83F4E8A23C65}" type="datetime1">
               <a:rPr lang="en-PH" smtClean="0"/>
-              <a:t>9/18/23</a:t>
+              <a:t>7/11/24</a:t>
             </a:fld>
             <a:endParaRPr lang="en-PH"/>
           </a:p>
@@ -4452,7 +4458,10 @@
           <a:bodyPr/>
           <a:lstStyle/>
           <a:p>
-            <a:endParaRPr lang="en-PH"/>
+            <a:r>
+              <a:rPr lang="en-PH"/>
+              <a:t>CCMACLRL</a:t>
+            </a:r>
           </a:p>
         </p:txBody>
       </p:sp>
@@ -4623,9 +4632,9 @@
           <a:bodyPr/>
           <a:lstStyle/>
           <a:p>
-            <a:fld id="{0CCF0B81-6BD8-4C65-9459-815598C5F1F4}" type="datetimeFigureOut">
+            <a:fld id="{38B5C62B-0655-F341-BB8B-7AEA8390F2F8}" type="datetime1">
               <a:rPr lang="en-PH" smtClean="0"/>
-              <a:t>9/18/23</a:t>
+              <a:t>7/11/24</a:t>
             </a:fld>
             <a:endParaRPr lang="en-PH"/>
           </a:p>
@@ -4652,7 +4661,10 @@
           <a:bodyPr/>
           <a:lstStyle/>
           <a:p>
-            <a:endParaRPr lang="en-PH"/>
+            <a:r>
+              <a:rPr lang="en-PH"/>
+              <a:t>CCMACLRL</a:t>
+            </a:r>
           </a:p>
         </p:txBody>
       </p:sp>
@@ -4899,9 +4911,9 @@
           <a:bodyPr/>
           <a:lstStyle/>
           <a:p>
-            <a:fld id="{0CCF0B81-6BD8-4C65-9459-815598C5F1F4}" type="datetimeFigureOut">
+            <a:fld id="{E3AFE632-5C6F-A74A-87DC-4954B4F5A75C}" type="datetime1">
               <a:rPr lang="en-PH" smtClean="0"/>
-              <a:t>9/18/23</a:t>
+              <a:t>7/11/24</a:t>
             </a:fld>
             <a:endParaRPr lang="en-PH"/>
           </a:p>
@@ -4928,7 +4940,10 @@
           <a:bodyPr/>
           <a:lstStyle/>
           <a:p>
-            <a:endParaRPr lang="en-PH"/>
+            <a:r>
+              <a:rPr lang="en-PH"/>
+              <a:t>CCMACLRL</a:t>
+            </a:r>
           </a:p>
         </p:txBody>
       </p:sp>
@@ -5167,9 +5182,9 @@
           <a:bodyPr/>
           <a:lstStyle/>
           <a:p>
-            <a:fld id="{0CCF0B81-6BD8-4C65-9459-815598C5F1F4}" type="datetimeFigureOut">
+            <a:fld id="{BE379AB4-65FE-434D-A70A-38C5C7121628}" type="datetime1">
               <a:rPr lang="en-PH" smtClean="0"/>
-              <a:t>9/18/23</a:t>
+              <a:t>7/11/24</a:t>
             </a:fld>
             <a:endParaRPr lang="en-PH"/>
           </a:p>
@@ -5196,7 +5211,10 @@
           <a:bodyPr/>
           <a:lstStyle/>
           <a:p>
-            <a:endParaRPr lang="en-PH"/>
+            <a:r>
+              <a:rPr lang="en-PH"/>
+              <a:t>CCMACLRL</a:t>
+            </a:r>
           </a:p>
         </p:txBody>
       </p:sp>
@@ -5582,9 +5600,9 @@
           <a:bodyPr/>
           <a:lstStyle/>
           <a:p>
-            <a:fld id="{0CCF0B81-6BD8-4C65-9459-815598C5F1F4}" type="datetimeFigureOut">
+            <a:fld id="{380E34E5-409F-1D4C-B301-8C49A9E815B1}" type="datetime1">
               <a:rPr lang="en-PH" smtClean="0"/>
-              <a:t>9/18/23</a:t>
+              <a:t>7/11/24</a:t>
             </a:fld>
             <a:endParaRPr lang="en-PH"/>
           </a:p>
@@ -5611,7 +5629,10 @@
           <a:bodyPr/>
           <a:lstStyle/>
           <a:p>
-            <a:endParaRPr lang="en-PH"/>
+            <a:r>
+              <a:rPr lang="en-PH"/>
+              <a:t>CCMACLRL</a:t>
+            </a:r>
           </a:p>
         </p:txBody>
       </p:sp>
@@ -5724,9 +5745,9 @@
           <a:bodyPr/>
           <a:lstStyle/>
           <a:p>
-            <a:fld id="{0CCF0B81-6BD8-4C65-9459-815598C5F1F4}" type="datetimeFigureOut">
+            <a:fld id="{2501FA41-271D-974C-911B-9D1A271A2BE7}" type="datetime1">
               <a:rPr lang="en-PH" smtClean="0"/>
-              <a:t>9/18/23</a:t>
+              <a:t>7/11/24</a:t>
             </a:fld>
             <a:endParaRPr lang="en-PH"/>
           </a:p>
@@ -5753,7 +5774,10 @@
           <a:bodyPr/>
           <a:lstStyle/>
           <a:p>
-            <a:endParaRPr lang="en-PH"/>
+            <a:r>
+              <a:rPr lang="en-PH"/>
+              <a:t>CCMACLRL</a:t>
+            </a:r>
           </a:p>
         </p:txBody>
       </p:sp>
@@ -5837,9 +5861,9 @@
           <a:bodyPr/>
           <a:lstStyle/>
           <a:p>
-            <a:fld id="{0CCF0B81-6BD8-4C65-9459-815598C5F1F4}" type="datetimeFigureOut">
+            <a:fld id="{3FE946B2-C346-B343-958B-B9038E143CA3}" type="datetime1">
               <a:rPr lang="en-PH" smtClean="0"/>
-              <a:t>9/18/23</a:t>
+              <a:t>7/11/24</a:t>
             </a:fld>
             <a:endParaRPr lang="en-PH"/>
           </a:p>
@@ -5866,7 +5890,10 @@
           <a:bodyPr/>
           <a:lstStyle/>
           <a:p>
-            <a:endParaRPr lang="en-PH"/>
+            <a:r>
+              <a:rPr lang="en-PH"/>
+              <a:t>CCMACLRL</a:t>
+            </a:r>
           </a:p>
         </p:txBody>
       </p:sp>
@@ -6150,9 +6177,9 @@
           <a:bodyPr/>
           <a:lstStyle/>
           <a:p>
-            <a:fld id="{0CCF0B81-6BD8-4C65-9459-815598C5F1F4}" type="datetimeFigureOut">
+            <a:fld id="{FE9F6C95-E09D-7143-B418-0891324CCCFE}" type="datetime1">
               <a:rPr lang="en-PH" smtClean="0"/>
-              <a:t>9/18/23</a:t>
+              <a:t>7/11/24</a:t>
             </a:fld>
             <a:endParaRPr lang="en-PH"/>
           </a:p>
@@ -6179,7 +6206,10 @@
           <a:bodyPr/>
           <a:lstStyle/>
           <a:p>
-            <a:endParaRPr lang="en-PH"/>
+            <a:r>
+              <a:rPr lang="en-PH"/>
+              <a:t>CCMACLRL</a:t>
+            </a:r>
           </a:p>
         </p:txBody>
       </p:sp>
@@ -6439,9 +6469,9 @@
           <a:bodyPr/>
           <a:lstStyle/>
           <a:p>
-            <a:fld id="{0CCF0B81-6BD8-4C65-9459-815598C5F1F4}" type="datetimeFigureOut">
+            <a:fld id="{FC997AD4-1CEF-0E48-B1A7-C64E10152381}" type="datetime1">
               <a:rPr lang="en-PH" smtClean="0"/>
-              <a:t>9/18/23</a:t>
+              <a:t>7/11/24</a:t>
             </a:fld>
             <a:endParaRPr lang="en-PH"/>
           </a:p>
@@ -6468,7 +6498,10 @@
           <a:bodyPr/>
           <a:lstStyle/>
           <a:p>
-            <a:endParaRPr lang="en-PH"/>
+            <a:r>
+              <a:rPr lang="en-PH"/>
+              <a:t>CCMACLRL</a:t>
+            </a:r>
           </a:p>
         </p:txBody>
       </p:sp>
@@ -6682,9 +6715,9 @@
             </a:lvl1pPr>
           </a:lstStyle>
           <a:p>
-            <a:fld id="{0CCF0B81-6BD8-4C65-9459-815598C5F1F4}" type="datetimeFigureOut">
+            <a:fld id="{54835927-0B18-2540-B6CD-1F754702085B}" type="datetime1">
               <a:rPr lang="en-PH" smtClean="0"/>
-              <a:t>9/18/23</a:t>
+              <a:t>7/11/24</a:t>
             </a:fld>
             <a:endParaRPr lang="en-PH"/>
           </a:p>
@@ -6729,7 +6762,10 @@
             </a:lvl1pPr>
           </a:lstStyle>
           <a:p>
-            <a:endParaRPr lang="en-PH"/>
+            <a:r>
+              <a:rPr lang="en-PH"/>
+              <a:t>CCMACLRL</a:t>
+            </a:r>
           </a:p>
         </p:txBody>
       </p:sp>
@@ -6801,6 +6837,7 @@
     <p:sldLayoutId id="2147483658" r:id="rId10"/>
     <p:sldLayoutId id="2147483659" r:id="rId11"/>
   </p:sldLayoutIdLst>
+  <p:hf sldNum="0" hdr="0" dt="0"/>
   <p:txStyles>
     <p:titleStyle>
       <a:lvl1pPr algn="l" defTabSz="914400" rtl="0" eaLnBrk="1" latinLnBrk="0" hangingPunct="1">
@@ -7322,12 +7359,12 @@
           <a:p>
             <a:pPr algn="r"/>
             <a:r>
-              <a:rPr lang="en-US" b="1" dirty="0">
+              <a:rPr lang="en-US" b="1">
                 <a:solidFill>
                   <a:schemeClr val="tx1"/>
                 </a:solidFill>
               </a:rPr>
-              <a:t>CCINSYSL</a:t>
+              <a:t>CCMACLRL</a:t>
             </a:r>
             <a:endParaRPr lang="en-PH" b="1" dirty="0">
               <a:solidFill>
@@ -7417,12 +7454,12 @@
           <a:p>
             <a:pPr algn="r"/>
             <a:r>
-              <a:rPr lang="en-US" b="1" dirty="0">
+              <a:rPr lang="en-US" b="1">
                 <a:solidFill>
                   <a:schemeClr val="tx1"/>
                 </a:solidFill>
               </a:rPr>
-              <a:t>CCINSYSL</a:t>
+              <a:t>CCMACLRL</a:t>
             </a:r>
             <a:endParaRPr lang="en-PH" dirty="0"/>
           </a:p>
@@ -8045,12 +8082,12 @@
           <a:p>
             <a:pPr algn="r"/>
             <a:r>
-              <a:rPr lang="en-US" b="1" dirty="0">
+              <a:rPr lang="en-US" b="1">
                 <a:solidFill>
                   <a:schemeClr val="tx1"/>
                 </a:solidFill>
               </a:rPr>
-              <a:t>CCINSYSL</a:t>
+              <a:t>CCMACLRL</a:t>
             </a:r>
             <a:endParaRPr lang="en-PH" dirty="0"/>
           </a:p>
@@ -10338,12 +10375,12 @@
           <a:p>
             <a:pPr algn="r"/>
             <a:r>
-              <a:rPr lang="en-US" b="1" dirty="0">
+              <a:rPr lang="en-US" b="1">
                 <a:solidFill>
                   <a:schemeClr val="tx1"/>
                 </a:solidFill>
               </a:rPr>
-              <a:t>CCINSYSL</a:t>
+              <a:t>CCMACLRL</a:t>
             </a:r>
             <a:endParaRPr lang="en-PH" dirty="0"/>
           </a:p>
@@ -11053,12 +11090,12 @@
           <a:p>
             <a:pPr algn="r"/>
             <a:r>
-              <a:rPr lang="en-US" b="1" dirty="0">
+              <a:rPr lang="en-US" b="1">
                 <a:solidFill>
                   <a:schemeClr val="tx1"/>
                 </a:solidFill>
               </a:rPr>
-              <a:t>CCINSYSL</a:t>
+              <a:t>CCMACLRL</a:t>
             </a:r>
             <a:endParaRPr lang="en-PH" dirty="0"/>
           </a:p>
@@ -11483,12 +11520,12 @@
           <a:p>
             <a:pPr algn="r"/>
             <a:r>
-              <a:rPr lang="en-US" b="1" dirty="0">
+              <a:rPr lang="en-US" b="1">
                 <a:solidFill>
                   <a:schemeClr val="tx1"/>
                 </a:solidFill>
               </a:rPr>
-              <a:t>CCINSYSL</a:t>
+              <a:t>CCMACLRL</a:t>
             </a:r>
             <a:endParaRPr lang="en-PH" dirty="0"/>
           </a:p>
@@ -11786,12 +11823,12 @@
           <a:p>
             <a:pPr algn="r"/>
             <a:r>
-              <a:rPr lang="en-US" b="1" dirty="0">
+              <a:rPr lang="en-US" b="1">
                 <a:solidFill>
                   <a:schemeClr val="tx1"/>
                 </a:solidFill>
               </a:rPr>
-              <a:t>CCINSYSL</a:t>
+              <a:t>CCMACLRL</a:t>
             </a:r>
             <a:endParaRPr lang="en-PH" dirty="0"/>
           </a:p>
@@ -12168,12 +12205,12 @@
           <a:p>
             <a:pPr algn="r"/>
             <a:r>
-              <a:rPr lang="en-US" b="1" dirty="0">
+              <a:rPr lang="en-US" b="1">
                 <a:solidFill>
                   <a:schemeClr val="tx1"/>
                 </a:solidFill>
               </a:rPr>
-              <a:t>CCINSYSL</a:t>
+              <a:t>CCMACLRL</a:t>
             </a:r>
             <a:endParaRPr lang="en-PH" dirty="0"/>
           </a:p>
@@ -13304,12 +13341,12 @@
           <a:p>
             <a:pPr algn="r"/>
             <a:r>
-              <a:rPr lang="en-US" b="1" dirty="0">
+              <a:rPr lang="en-US" b="1">
                 <a:solidFill>
                   <a:schemeClr val="tx1"/>
                 </a:solidFill>
               </a:rPr>
-              <a:t>CCINSYSL</a:t>
+              <a:t>CCMACLRL</a:t>
             </a:r>
             <a:endParaRPr lang="en-PH" dirty="0"/>
           </a:p>
@@ -13578,12 +13615,12 @@
           <a:p>
             <a:pPr algn="r"/>
             <a:r>
-              <a:rPr lang="en-US" b="1" dirty="0">
+              <a:rPr lang="en-US" b="1">
                 <a:solidFill>
                   <a:schemeClr val="tx1"/>
                 </a:solidFill>
               </a:rPr>
-              <a:t>CCINSYSL</a:t>
+              <a:t>CCMACLRL</a:t>
             </a:r>
             <a:endParaRPr lang="en-PH" dirty="0"/>
           </a:p>
@@ -14203,12 +14240,12 @@
           <a:p>
             <a:pPr algn="r"/>
             <a:r>
-              <a:rPr lang="en-US" b="1" dirty="0">
+              <a:rPr lang="en-US" b="1">
                 <a:solidFill>
                   <a:schemeClr val="tx1"/>
                 </a:solidFill>
               </a:rPr>
-              <a:t>CCINSYSL</a:t>
+              <a:t>CCMACLRL</a:t>
             </a:r>
             <a:endParaRPr lang="en-PH" dirty="0"/>
           </a:p>
@@ -16499,12 +16536,12 @@
           <a:p>
             <a:pPr algn="r"/>
             <a:r>
-              <a:rPr lang="en-US" b="1" dirty="0">
+              <a:rPr lang="en-US" b="1">
                 <a:solidFill>
                   <a:schemeClr val="tx1"/>
                 </a:solidFill>
               </a:rPr>
-              <a:t>CCINSYSL</a:t>
+              <a:t>CCMACLRL</a:t>
             </a:r>
             <a:endParaRPr lang="en-PH" dirty="0"/>
           </a:p>
@@ -17524,6 +17561,12 @@
 </file>
 
 <file path=customXml/item1.xml><?xml version="1.0" encoding="utf-8"?>
+<p:properties xmlns:p="http://schemas.microsoft.com/office/2006/metadata/properties" xmlns:xsi="http://www.w3.org/2001/XMLSchema-instance" xmlns:pc="http://schemas.microsoft.com/office/infopath/2007/PartnerControls">
+  <documentManagement/>
+</p:properties>
+</file>
+
+<file path=customXml/item2.xml><?xml version="1.0" encoding="utf-8"?>
 <ct:contentTypeSchema xmlns:ct="http://schemas.microsoft.com/office/2006/metadata/contentType" xmlns:ma="http://schemas.microsoft.com/office/2006/metadata/properties/metaAttributes" ct:_="" ma:_="" ma:contentTypeName="Document" ma:contentTypeID="0x0101007188BDCA587B344BBA6CB1A93FAE6998" ma:contentTypeVersion="2" ma:contentTypeDescription="Create a new document." ma:contentTypeScope="" ma:versionID="7a8e4b6720badb2566a0cfeddfaf2856">
   <xsd:schema xmlns:xsd="http://www.w3.org/2001/XMLSchema" xmlns:xs="http://www.w3.org/2001/XMLSchema" xmlns:p="http://schemas.microsoft.com/office/2006/metadata/properties" xmlns:ns2="ba111d12-426d-4af0-bcb6-460e36974645" targetNamespace="http://schemas.microsoft.com/office/2006/metadata/properties" ma:root="true" ma:fieldsID="989b05398519136c88ba0a8d54e3c3da" ns2:_="">
     <xsd:import namespace="ba111d12-426d-4af0-bcb6-460e36974645"/>
@@ -17655,12 +17698,6 @@
 </ct:contentTypeSchema>
 </file>
 
-<file path=customXml/item2.xml><?xml version="1.0" encoding="utf-8"?>
-<p:properties xmlns:p="http://schemas.microsoft.com/office/2006/metadata/properties" xmlns:xsi="http://www.w3.org/2001/XMLSchema-instance" xmlns:pc="http://schemas.microsoft.com/office/infopath/2007/PartnerControls">
-  <documentManagement/>
-</p:properties>
-</file>
-
 <file path=customXml/item3.xml><?xml version="1.0" encoding="utf-8"?>
 <?mso-contentType ?>
 <FormTemplates xmlns="http://schemas.microsoft.com/sharepoint/v3/contenttype/forms">
@@ -17671,6 +17708,15 @@
 </file>
 
 <file path=customXml/itemProps1.xml><?xml version="1.0" encoding="utf-8"?>
+<ds:datastoreItem xmlns:ds="http://schemas.openxmlformats.org/officeDocument/2006/customXml" ds:itemID="{7ACF14CA-9E7F-410C-99DF-E0FAFDE78C11}">
+  <ds:schemaRefs>
+    <ds:schemaRef ds:uri="http://schemas.microsoft.com/office/2006/metadata/properties"/>
+    <ds:schemaRef ds:uri="http://schemas.microsoft.com/office/infopath/2007/PartnerControls"/>
+  </ds:schemaRefs>
+</ds:datastoreItem>
+</file>
+
+<file path=customXml/itemProps2.xml><?xml version="1.0" encoding="utf-8"?>
 <ds:datastoreItem xmlns:ds="http://schemas.openxmlformats.org/officeDocument/2006/customXml" ds:itemID="{D622FF19-6ECD-4B79-A412-9430824D2BB6}">
   <ds:schemaRefs>
     <ds:schemaRef ds:uri="http://schemas.microsoft.com/office/2006/metadata/contentType"/>
@@ -17688,15 +17734,6 @@
 </ds:datastoreItem>
 </file>
 
-<file path=customXml/itemProps2.xml><?xml version="1.0" encoding="utf-8"?>
-<ds:datastoreItem xmlns:ds="http://schemas.openxmlformats.org/officeDocument/2006/customXml" ds:itemID="{7ACF14CA-9E7F-410C-99DF-E0FAFDE78C11}">
-  <ds:schemaRefs>
-    <ds:schemaRef ds:uri="http://schemas.microsoft.com/office/2006/metadata/properties"/>
-    <ds:schemaRef ds:uri="http://schemas.microsoft.com/office/infopath/2007/PartnerControls"/>
-  </ds:schemaRefs>
-</ds:datastoreItem>
-</file>
-
 <file path=customXml/itemProps3.xml><?xml version="1.0" encoding="utf-8"?>
 <ds:datastoreItem xmlns:ds="http://schemas.openxmlformats.org/officeDocument/2006/customXml" ds:itemID="{6C1A3F1B-CE3A-47AB-9F84-47E786467973}">
   <ds:schemaRefs>

--- a/4 - Multiple Linear Regression/Coefficient of Determination.pptx
+++ b/4 - Multiple Linear Regression/Coefficient of Determination.pptx
@@ -2098,9 +2098,9 @@
         </a:prstGeom>
         <a:ln xmlns:a="http://schemas.openxmlformats.org/drawingml/2006/main" w="41275" cap="flat" cmpd="sng" algn="ctr">
           <a:solidFill>
-            <a:srgbClr val="FF0000"/>
+            <a:schemeClr val="tx1"/>
           </a:solidFill>
-          <a:prstDash val="dash"/>
+          <a:prstDash val="sysDot"/>
           <a:round/>
           <a:headEnd type="none" w="med" len="med"/>
           <a:tailEnd type="none" w="med" len="med"/>
@@ -2152,9 +2152,9 @@
         </a:prstGeom>
         <a:ln xmlns:a="http://schemas.openxmlformats.org/drawingml/2006/main" w="41275" cap="flat" cmpd="sng" algn="ctr">
           <a:solidFill>
-            <a:srgbClr val="FF0000"/>
+            <a:schemeClr val="tx1"/>
           </a:solidFill>
-          <a:prstDash val="dash"/>
+          <a:prstDash val="sysDot"/>
           <a:round/>
           <a:headEnd type="none" w="med" len="med"/>
           <a:tailEnd type="none" w="med" len="med"/>
@@ -2178,11 +2178,11 @@
   </cdr:relSizeAnchor>
   <cdr:relSizeAnchor xmlns:cdr="http://schemas.openxmlformats.org/drawingml/2006/chartDrawing">
     <cdr:from>
-      <cdr:x>0.51313</cdr:x>
+      <cdr:x>0.50979</cdr:x>
       <cdr:y>0.19766</cdr:y>
     </cdr:from>
     <cdr:to>
-      <cdr:x>0.51313</cdr:x>
+      <cdr:x>0.50979</cdr:x>
       <cdr:y>0.30429</cdr:y>
     </cdr:to>
     <cdr:cxnSp macro="">
@@ -2198,17 +2198,17 @@
       </cdr:nvCxnSpPr>
       <cdr:spPr>
         <a:xfrm xmlns:a="http://schemas.openxmlformats.org/drawingml/2006/main">
-          <a:off x="3853119" y="960805"/>
-          <a:ext cx="0" cy="518344"/>
+          <a:off x="2866040" y="869140"/>
+          <a:ext cx="0" cy="468868"/>
         </a:xfrm>
         <a:prstGeom xmlns:a="http://schemas.openxmlformats.org/drawingml/2006/main" prst="straightConnector1">
           <a:avLst/>
         </a:prstGeom>
         <a:ln xmlns:a="http://schemas.openxmlformats.org/drawingml/2006/main" w="41275" cap="flat" cmpd="sng" algn="ctr">
           <a:solidFill>
-            <a:srgbClr val="FF0000"/>
+            <a:schemeClr val="tx1"/>
           </a:solidFill>
-          <a:prstDash val="dash"/>
+          <a:prstDash val="sysDot"/>
           <a:round/>
           <a:headEnd type="none" w="med" len="med"/>
           <a:tailEnd type="none" w="med" len="med"/>
@@ -2232,12 +2232,12 @@
   </cdr:relSizeAnchor>
   <cdr:relSizeAnchor xmlns:cdr="http://schemas.openxmlformats.org/drawingml/2006/chartDrawing">
     <cdr:from>
-      <cdr:x>0.67106</cdr:x>
-      <cdr:y>0.25166</cdr:y>
+      <cdr:x>0.6666</cdr:x>
+      <cdr:y>0.24881</cdr:y>
     </cdr:from>
     <cdr:to>
-      <cdr:x>0.67106</cdr:x>
-      <cdr:y>0.30526</cdr:y>
+      <cdr:x>0.6666</cdr:x>
+      <cdr:y>0.30241</cdr:y>
     </cdr:to>
     <cdr:cxnSp macro="">
       <cdr:nvCxnSpPr>
@@ -2252,71 +2252,17 @@
       </cdr:nvCxnSpPr>
       <cdr:spPr>
         <a:xfrm xmlns:a="http://schemas.openxmlformats.org/drawingml/2006/main">
-          <a:off x="5039046" y="1223311"/>
-          <a:ext cx="0" cy="260567"/>
+          <a:off x="3747663" y="1094061"/>
+          <a:ext cx="0" cy="235687"/>
         </a:xfrm>
         <a:prstGeom xmlns:a="http://schemas.openxmlformats.org/drawingml/2006/main" prst="straightConnector1">
           <a:avLst/>
         </a:prstGeom>
         <a:ln xmlns:a="http://schemas.openxmlformats.org/drawingml/2006/main" w="41275" cap="flat" cmpd="sng" algn="ctr">
           <a:solidFill>
-            <a:srgbClr val="FF0000"/>
+            <a:schemeClr val="tx1"/>
           </a:solidFill>
-          <a:prstDash val="dash"/>
-          <a:round/>
-          <a:headEnd type="none" w="med" len="med"/>
-          <a:tailEnd type="none" w="med" len="med"/>
-        </a:ln>
-      </cdr:spPr>
-      <cdr:style>
-        <a:lnRef xmlns:a="http://schemas.openxmlformats.org/drawingml/2006/main" idx="0">
-          <a:scrgbClr r="0" g="0" b="0"/>
-        </a:lnRef>
-        <a:fillRef xmlns:a="http://schemas.openxmlformats.org/drawingml/2006/main" idx="0">
-          <a:scrgbClr r="0" g="0" b="0"/>
-        </a:fillRef>
-        <a:effectRef xmlns:a="http://schemas.openxmlformats.org/drawingml/2006/main" idx="0">
-          <a:scrgbClr r="0" g="0" b="0"/>
-        </a:effectRef>
-        <a:fontRef xmlns:a="http://schemas.openxmlformats.org/drawingml/2006/main" idx="minor">
-          <a:schemeClr val="tx1"/>
-        </a:fontRef>
-      </cdr:style>
-    </cdr:cxnSp>
-  </cdr:relSizeAnchor>
-  <cdr:relSizeAnchor xmlns:cdr="http://schemas.openxmlformats.org/drawingml/2006/chartDrawing">
-    <cdr:from>
-      <cdr:x>0.82855</cdr:x>
-      <cdr:y>0.15011</cdr:y>
-    </cdr:from>
-    <cdr:to>
-      <cdr:x>0.82855</cdr:x>
-      <cdr:y>0.16075</cdr:y>
-    </cdr:to>
-    <cdr:cxnSp macro="">
-      <cdr:nvCxnSpPr>
-        <cdr:cNvPr id="16" name="Straight Arrow Connector 15">
-          <a:extLst xmlns:a="http://schemas.openxmlformats.org/drawingml/2006/main">
-            <a:ext uri="{FF2B5EF4-FFF2-40B4-BE49-F238E27FC236}">
-              <a16:creationId xmlns:a16="http://schemas.microsoft.com/office/drawing/2014/main" id="{57979392-F85A-6978-ABE0-D116E2EAA213}"/>
-            </a:ext>
-          </a:extLst>
-        </cdr:cNvPr>
-        <cdr:cNvCxnSpPr/>
-      </cdr:nvCxnSpPr>
-      <cdr:spPr>
-        <a:xfrm xmlns:a="http://schemas.openxmlformats.org/drawingml/2006/main">
-          <a:off x="6221652" y="729700"/>
-          <a:ext cx="0" cy="51708"/>
-        </a:xfrm>
-        <a:prstGeom xmlns:a="http://schemas.openxmlformats.org/drawingml/2006/main" prst="straightConnector1">
-          <a:avLst/>
-        </a:prstGeom>
-        <a:ln xmlns:a="http://schemas.openxmlformats.org/drawingml/2006/main" w="41275" cap="flat" cmpd="sng" algn="ctr">
-          <a:solidFill>
-            <a:srgbClr val="FF0000"/>
-          </a:solidFill>
-          <a:prstDash val="dash"/>
+          <a:prstDash val="sysDot"/>
           <a:round/>
           <a:headEnd type="none" w="med" len="med"/>
           <a:tailEnd type="none" w="med" len="med"/>
@@ -2590,7 +2536,7 @@
           <a:p>
             <a:fld id="{F666E1FD-E7A0-497B-BBC0-740BAAC97C64}" type="datetimeFigureOut">
               <a:rPr lang="en-PH" smtClean="0"/>
-              <a:t>7/11/24</a:t>
+              <a:t>8/28/24</a:t>
             </a:fld>
             <a:endParaRPr lang="en-PH"/>
           </a:p>
@@ -4015,7 +3961,7 @@
           <a:p>
             <a:fld id="{75FB6C27-0E58-3B40-BD30-214CA7ADF30F}" type="datetime1">
               <a:rPr lang="en-PH" smtClean="0"/>
-              <a:t>7/11/24</a:t>
+              <a:t>8/28/24</a:t>
             </a:fld>
             <a:endParaRPr lang="en-PH"/>
           </a:p>
@@ -4218,7 +4164,7 @@
           <a:p>
             <a:fld id="{104F09DF-93FD-CE46-B6DD-EAC69207E103}" type="datetime1">
               <a:rPr lang="en-PH" smtClean="0"/>
-              <a:t>7/11/24</a:t>
+              <a:t>8/28/24</a:t>
             </a:fld>
             <a:endParaRPr lang="en-PH"/>
           </a:p>
@@ -4431,7 +4377,7 @@
           <a:p>
             <a:fld id="{2636DB85-36A7-2248-9971-83F4E8A23C65}" type="datetime1">
               <a:rPr lang="en-PH" smtClean="0"/>
-              <a:t>7/11/24</a:t>
+              <a:t>8/28/24</a:t>
             </a:fld>
             <a:endParaRPr lang="en-PH"/>
           </a:p>
@@ -4634,7 +4580,7 @@
           <a:p>
             <a:fld id="{38B5C62B-0655-F341-BB8B-7AEA8390F2F8}" type="datetime1">
               <a:rPr lang="en-PH" smtClean="0"/>
-              <a:t>7/11/24</a:t>
+              <a:t>8/28/24</a:t>
             </a:fld>
             <a:endParaRPr lang="en-PH"/>
           </a:p>
@@ -4913,7 +4859,7 @@
           <a:p>
             <a:fld id="{E3AFE632-5C6F-A74A-87DC-4954B4F5A75C}" type="datetime1">
               <a:rPr lang="en-PH" smtClean="0"/>
-              <a:t>7/11/24</a:t>
+              <a:t>8/28/24</a:t>
             </a:fld>
             <a:endParaRPr lang="en-PH"/>
           </a:p>
@@ -5184,7 +5130,7 @@
           <a:p>
             <a:fld id="{BE379AB4-65FE-434D-A70A-38C5C7121628}" type="datetime1">
               <a:rPr lang="en-PH" smtClean="0"/>
-              <a:t>7/11/24</a:t>
+              <a:t>8/28/24</a:t>
             </a:fld>
             <a:endParaRPr lang="en-PH"/>
           </a:p>
@@ -5602,7 +5548,7 @@
           <a:p>
             <a:fld id="{380E34E5-409F-1D4C-B301-8C49A9E815B1}" type="datetime1">
               <a:rPr lang="en-PH" smtClean="0"/>
-              <a:t>7/11/24</a:t>
+              <a:t>8/28/24</a:t>
             </a:fld>
             <a:endParaRPr lang="en-PH"/>
           </a:p>
@@ -5747,7 +5693,7 @@
           <a:p>
             <a:fld id="{2501FA41-271D-974C-911B-9D1A271A2BE7}" type="datetime1">
               <a:rPr lang="en-PH" smtClean="0"/>
-              <a:t>7/11/24</a:t>
+              <a:t>8/28/24</a:t>
             </a:fld>
             <a:endParaRPr lang="en-PH"/>
           </a:p>
@@ -5863,7 +5809,7 @@
           <a:p>
             <a:fld id="{3FE946B2-C346-B343-958B-B9038E143CA3}" type="datetime1">
               <a:rPr lang="en-PH" smtClean="0"/>
-              <a:t>7/11/24</a:t>
+              <a:t>8/28/24</a:t>
             </a:fld>
             <a:endParaRPr lang="en-PH"/>
           </a:p>
@@ -6179,7 +6125,7 @@
           <a:p>
             <a:fld id="{FE9F6C95-E09D-7143-B418-0891324CCCFE}" type="datetime1">
               <a:rPr lang="en-PH" smtClean="0"/>
-              <a:t>7/11/24</a:t>
+              <a:t>8/28/24</a:t>
             </a:fld>
             <a:endParaRPr lang="en-PH"/>
           </a:p>
@@ -6471,7 +6417,7 @@
           <a:p>
             <a:fld id="{FC997AD4-1CEF-0E48-B1A7-C64E10152381}" type="datetime1">
               <a:rPr lang="en-PH" smtClean="0"/>
-              <a:t>7/11/24</a:t>
+              <a:t>8/28/24</a:t>
             </a:fld>
             <a:endParaRPr lang="en-PH"/>
           </a:p>
@@ -6717,7 +6663,7 @@
           <a:p>
             <a:fld id="{54835927-0B18-2540-B6CD-1F754702085B}" type="datetime1">
               <a:rPr lang="en-PH" smtClean="0"/>
-              <a:t>7/11/24</a:t>
+              <a:t>8/28/24</a:t>
             </a:fld>
             <a:endParaRPr lang="en-PH"/>
           </a:p>
@@ -16159,7 +16105,7 @@
             <p:nvPr>
               <p:extLst>
                 <p:ext uri="{D42A27DB-BD31-4B8C-83A1-F6EECF244321}">
-                  <p14:modId xmlns:p14="http://schemas.microsoft.com/office/powerpoint/2010/main" val="2552297009"/>
+                  <p14:modId xmlns:p14="http://schemas.microsoft.com/office/powerpoint/2010/main" val="3961473399"/>
                 </p:ext>
               </p:extLst>
             </p:nvPr>
@@ -17561,12 +17507,6 @@
 </file>
 
 <file path=customXml/item1.xml><?xml version="1.0" encoding="utf-8"?>
-<p:properties xmlns:p="http://schemas.microsoft.com/office/2006/metadata/properties" xmlns:xsi="http://www.w3.org/2001/XMLSchema-instance" xmlns:pc="http://schemas.microsoft.com/office/infopath/2007/PartnerControls">
-  <documentManagement/>
-</p:properties>
-</file>
-
-<file path=customXml/item2.xml><?xml version="1.0" encoding="utf-8"?>
 <ct:contentTypeSchema xmlns:ct="http://schemas.microsoft.com/office/2006/metadata/contentType" xmlns:ma="http://schemas.microsoft.com/office/2006/metadata/properties/metaAttributes" ct:_="" ma:_="" ma:contentTypeName="Document" ma:contentTypeID="0x0101007188BDCA587B344BBA6CB1A93FAE6998" ma:contentTypeVersion="2" ma:contentTypeDescription="Create a new document." ma:contentTypeScope="" ma:versionID="7a8e4b6720badb2566a0cfeddfaf2856">
   <xsd:schema xmlns:xsd="http://www.w3.org/2001/XMLSchema" xmlns:xs="http://www.w3.org/2001/XMLSchema" xmlns:p="http://schemas.microsoft.com/office/2006/metadata/properties" xmlns:ns2="ba111d12-426d-4af0-bcb6-460e36974645" targetNamespace="http://schemas.microsoft.com/office/2006/metadata/properties" ma:root="true" ma:fieldsID="989b05398519136c88ba0a8d54e3c3da" ns2:_="">
     <xsd:import namespace="ba111d12-426d-4af0-bcb6-460e36974645"/>
@@ -17698,6 +17638,12 @@
 </ct:contentTypeSchema>
 </file>
 
+<file path=customXml/item2.xml><?xml version="1.0" encoding="utf-8"?>
+<p:properties xmlns:p="http://schemas.microsoft.com/office/2006/metadata/properties" xmlns:xsi="http://www.w3.org/2001/XMLSchema-instance" xmlns:pc="http://schemas.microsoft.com/office/infopath/2007/PartnerControls">
+  <documentManagement/>
+</p:properties>
+</file>
+
 <file path=customXml/item3.xml><?xml version="1.0" encoding="utf-8"?>
 <?mso-contentType ?>
 <FormTemplates xmlns="http://schemas.microsoft.com/sharepoint/v3/contenttype/forms">
@@ -17708,15 +17654,6 @@
 </file>
 
 <file path=customXml/itemProps1.xml><?xml version="1.0" encoding="utf-8"?>
-<ds:datastoreItem xmlns:ds="http://schemas.openxmlformats.org/officeDocument/2006/customXml" ds:itemID="{7ACF14CA-9E7F-410C-99DF-E0FAFDE78C11}">
-  <ds:schemaRefs>
-    <ds:schemaRef ds:uri="http://schemas.microsoft.com/office/2006/metadata/properties"/>
-    <ds:schemaRef ds:uri="http://schemas.microsoft.com/office/infopath/2007/PartnerControls"/>
-  </ds:schemaRefs>
-</ds:datastoreItem>
-</file>
-
-<file path=customXml/itemProps2.xml><?xml version="1.0" encoding="utf-8"?>
 <ds:datastoreItem xmlns:ds="http://schemas.openxmlformats.org/officeDocument/2006/customXml" ds:itemID="{D622FF19-6ECD-4B79-A412-9430824D2BB6}">
   <ds:schemaRefs>
     <ds:schemaRef ds:uri="http://schemas.microsoft.com/office/2006/metadata/contentType"/>
@@ -17734,6 +17671,15 @@
 </ds:datastoreItem>
 </file>
 
+<file path=customXml/itemProps2.xml><?xml version="1.0" encoding="utf-8"?>
+<ds:datastoreItem xmlns:ds="http://schemas.openxmlformats.org/officeDocument/2006/customXml" ds:itemID="{7ACF14CA-9E7F-410C-99DF-E0FAFDE78C11}">
+  <ds:schemaRefs>
+    <ds:schemaRef ds:uri="http://schemas.microsoft.com/office/2006/metadata/properties"/>
+    <ds:schemaRef ds:uri="http://schemas.microsoft.com/office/infopath/2007/PartnerControls"/>
+  </ds:schemaRefs>
+</ds:datastoreItem>
+</file>
+
 <file path=customXml/itemProps3.xml><?xml version="1.0" encoding="utf-8"?>
 <ds:datastoreItem xmlns:ds="http://schemas.openxmlformats.org/officeDocument/2006/customXml" ds:itemID="{6C1A3F1B-CE3A-47AB-9F84-47E786467973}">
   <ds:schemaRefs>
